--- a/7.Адаптив/7.pptx
+++ b/7.Адаптив/7.pptx
@@ -288,7 +288,7 @@
           <a:p>
             <a:fld id="{1160EA64-D806-43AC-9DF2-F8C432F32B4C}" type="datetimeFigureOut">
               <a:rPr lang="en-US" dirty="0"/>
-              <a:t>10/14/2024</a:t>
+              <a:t>10/13/2025</a:t>
             </a:fld>
             <a:endParaRPr lang="en-US" dirty="0"/>
           </a:p>
@@ -454,7 +454,7 @@
           <a:p>
             <a:fld id="{E9F9C37B-1D36-470B-8223-D6C91242EC14}" type="datetimeFigureOut">
               <a:rPr lang="en-US" dirty="0"/>
-              <a:t>10/14/2024</a:t>
+              <a:t>10/13/2025</a:t>
             </a:fld>
             <a:endParaRPr lang="en-US" dirty="0"/>
           </a:p>
@@ -629,7 +629,7 @@
           <a:p>
             <a:fld id="{67C6F52A-A82B-47A2-A83A-8C4C91F2D59F}" type="datetimeFigureOut">
               <a:rPr lang="en-US" dirty="0"/>
-              <a:t>10/14/2024</a:t>
+              <a:t>10/13/2025</a:t>
             </a:fld>
             <a:endParaRPr lang="en-US" dirty="0"/>
           </a:p>
@@ -794,7 +794,7 @@
           <a:p>
             <a:fld id="{F070A7B3-6521-4DCA-87E5-044747A908C1}" type="datetimeFigureOut">
               <a:rPr lang="en-US" dirty="0"/>
-              <a:t>10/14/2024</a:t>
+              <a:t>10/13/2025</a:t>
             </a:fld>
             <a:endParaRPr lang="en-US" dirty="0"/>
           </a:p>
@@ -1058,7 +1058,7 @@
           <a:p>
             <a:fld id="{1160EA64-D806-43AC-9DF2-F8C432F32B4C}" type="datetimeFigureOut">
               <a:rPr lang="en-US" dirty="0"/>
-              <a:t>10/14/2024</a:t>
+              <a:t>10/13/2025</a:t>
             </a:fld>
             <a:endParaRPr lang="en-US" dirty="0"/>
           </a:p>
@@ -1286,7 +1286,7 @@
           <a:p>
             <a:fld id="{AB134690-1557-4C89-A502-4959FE7FAD70}" type="datetimeFigureOut">
               <a:rPr lang="en-US" dirty="0"/>
-              <a:t>10/14/2024</a:t>
+              <a:t>10/13/2025</a:t>
             </a:fld>
             <a:endParaRPr lang="en-US" dirty="0"/>
           </a:p>
@@ -1640,7 +1640,7 @@
           <a:p>
             <a:fld id="{4F7D4976-E339-4826-83B7-FBD03F55ECF8}" type="datetimeFigureOut">
               <a:rPr lang="en-US" dirty="0"/>
-              <a:t>10/14/2024</a:t>
+              <a:t>10/13/2025</a:t>
             </a:fld>
             <a:endParaRPr lang="en-US" dirty="0"/>
           </a:p>
@@ -1776,7 +1776,7 @@
           <a:p>
             <a:fld id="{E1037C31-9E7A-4F99-8774-A0E530DE1A42}" type="datetimeFigureOut">
               <a:rPr lang="en-US" dirty="0"/>
-              <a:t>10/14/2024</a:t>
+              <a:t>10/13/2025</a:t>
             </a:fld>
             <a:endParaRPr lang="en-US" dirty="0"/>
           </a:p>
@@ -1866,7 +1866,7 @@
           <a:p>
             <a:fld id="{C278504F-A551-4DE0-9316-4DCD1D8CC752}" type="datetimeFigureOut">
               <a:rPr lang="en-US" dirty="0"/>
-              <a:t>10/14/2024</a:t>
+              <a:t>10/13/2025</a:t>
             </a:fld>
             <a:endParaRPr lang="en-US" dirty="0"/>
           </a:p>
@@ -2218,7 +2218,7 @@
           <a:p>
             <a:fld id="{D1BE4249-C0D0-4B06-8692-E8BB871AF643}" type="datetimeFigureOut">
               <a:rPr lang="en-US" dirty="0"/>
-              <a:t>10/14/2024</a:t>
+              <a:t>10/13/2025</a:t>
             </a:fld>
             <a:endParaRPr lang="en-US" dirty="0"/>
           </a:p>
@@ -2570,7 +2570,7 @@
           <a:p>
             <a:fld id="{042B0DB6-F5C7-45FB-8CF3-31B45F9C2DAC}" type="datetimeFigureOut">
               <a:rPr lang="en-US" dirty="0"/>
-              <a:t>10/14/2024</a:t>
+              <a:t>10/13/2025</a:t>
             </a:fld>
             <a:endParaRPr lang="en-US" dirty="0"/>
           </a:p>
@@ -2807,7 +2807,7 @@
           <a:p>
             <a:fld id="{1160EA64-D806-43AC-9DF2-F8C432F32B4C}" type="datetimeFigureOut">
               <a:rPr lang="en-US" dirty="0"/>
-              <a:t>10/14/2024</a:t>
+              <a:t>10/13/2025</a:t>
             </a:fld>
             <a:endParaRPr lang="en-US" dirty="0"/>
           </a:p>
@@ -3293,31 +3293,6 @@
           </a:p>
         </p:txBody>
       </p:sp>
-      <p:sp>
-        <p:nvSpPr>
-          <p:cNvPr id="3" name="Subtitle 2">
-            <a:extLst>
-              <a:ext uri="{FF2B5EF4-FFF2-40B4-BE49-F238E27FC236}">
-                <a16:creationId xmlns:a16="http://schemas.microsoft.com/office/drawing/2014/main" id="{0BF8E731-2665-4CCF-9C22-58FC160F9B5A}"/>
-              </a:ext>
-            </a:extLst>
-          </p:cNvPr>
-          <p:cNvSpPr>
-            <a:spLocks noGrp="1"/>
-          </p:cNvSpPr>
-          <p:nvPr>
-            <p:ph type="subTitle" idx="1"/>
-          </p:nvPr>
-        </p:nvSpPr>
-        <p:spPr/>
-        <p:txBody>
-          <a:bodyPr/>
-          <a:lstStyle/>
-          <a:p>
-            <a:endParaRPr lang="en-US" dirty="0"/>
-          </a:p>
-        </p:txBody>
-      </p:sp>
     </p:spTree>
     <p:extLst>
       <p:ext uri="{BB962C8B-B14F-4D97-AF65-F5344CB8AC3E}">
@@ -4851,62 +4826,47 @@
       </p:grpSpPr>
       <p:pic>
         <p:nvPicPr>
-          <p:cNvPr id="3" name="Picture 2">
+          <p:cNvPr id="1026" name="Picture 2">
             <a:extLst>
               <a:ext uri="{FF2B5EF4-FFF2-40B4-BE49-F238E27FC236}">
-                <a16:creationId xmlns:a16="http://schemas.microsoft.com/office/drawing/2014/main" id="{8C6D5C4A-71C0-449C-832B-BB79F1ED0A3F}"/>
+                <a16:creationId xmlns:a16="http://schemas.microsoft.com/office/drawing/2014/main" id="{F61CE744-93CD-47D3-B930-27D995A5454A}"/>
               </a:ext>
             </a:extLst>
           </p:cNvPr>
           <p:cNvPicPr>
-            <a:picLocks noChangeAspect="1"/>
+            <a:picLocks noChangeAspect="1" noChangeArrowheads="1"/>
           </p:cNvPicPr>
           <p:nvPr/>
         </p:nvPicPr>
-        <p:blipFill>
-          <a:blip r:embed="rId2"/>
-          <a:stretch>
-            <a:fillRect/>
-          </a:stretch>
+        <p:blipFill rotWithShape="1">
+          <a:blip r:embed="rId2">
+            <a:extLst>
+              <a:ext uri="{28A0092B-C50C-407E-A947-70E740481C1C}">
+                <a14:useLocalDpi xmlns:a14="http://schemas.microsoft.com/office/drawing/2010/main" val="0"/>
+              </a:ext>
+            </a:extLst>
+          </a:blip>
+          <a:srcRect l="5983" t="9164" r="3133" b="9164"/>
+          <a:stretch/>
         </p:blipFill>
-        <p:spPr>
-          <a:xfrm>
-            <a:off x="2443473" y="504391"/>
-            <a:ext cx="7067550" cy="5267325"/>
+        <p:spPr bwMode="auto">
+          <a:xfrm>
+            <a:off x="1168399" y="384131"/>
+            <a:ext cx="9338733" cy="6294131"/>
           </a:xfrm>
           <a:prstGeom prst="rect">
             <a:avLst/>
           </a:prstGeom>
-        </p:spPr>
-      </p:pic>
-      <p:pic>
-        <p:nvPicPr>
-          <p:cNvPr id="5" name="Picture 4">
-            <a:extLst>
-              <a:ext uri="{FF2B5EF4-FFF2-40B4-BE49-F238E27FC236}">
-                <a16:creationId xmlns:a16="http://schemas.microsoft.com/office/drawing/2014/main" id="{A3F6973D-22AA-44B0-9A0F-9B18A1AA762E}"/>
-              </a:ext>
-            </a:extLst>
-          </p:cNvPr>
-          <p:cNvPicPr>
-            <a:picLocks noChangeAspect="1"/>
-          </p:cNvPicPr>
-          <p:nvPr/>
-        </p:nvPicPr>
-        <p:blipFill>
-          <a:blip r:embed="rId2"/>
-          <a:stretch>
-            <a:fillRect/>
-          </a:stretch>
-        </p:blipFill>
-        <p:spPr>
-          <a:xfrm>
-            <a:off x="2390034" y="664708"/>
-            <a:ext cx="7067550" cy="5267325"/>
-          </a:xfrm>
-          <a:prstGeom prst="rect">
-            <a:avLst/>
-          </a:prstGeom>
+          <a:noFill/>
+          <a:extLst>
+            <a:ext uri="{909E8E84-426E-40DD-AFC4-6F175D3DCCD1}">
+              <a14:hiddenFill xmlns:a14="http://schemas.microsoft.com/office/drawing/2010/main">
+                <a:solidFill>
+                  <a:srgbClr val="FFFFFF"/>
+                </a:solidFill>
+              </a14:hiddenFill>
+            </a:ext>
+          </a:extLst>
         </p:spPr>
       </p:pic>
     </p:spTree>
